--- a/Business/Organization/Official Documents/UNH SEDS/Internal Leadership Documents/Engineering Leadership/2019-2020/Engineering Leadership.pptx
+++ b/Business/Organization/Official Documents/UNH SEDS/Internal Leadership Documents/Engineering Leadership/2019-2020/Engineering Leadership.pptx
@@ -224,7 +224,7 @@
           <a:p>
             <a:fld id="{CB7AD89C-BB88-48A3-A1C9-D13CF625B286}" type="datetimeFigureOut">
               <a:rPr lang="en-US" smtClean="0"/>
-              <a:t>1/21/2020</a:t>
+              <a:t>1/31/20</a:t>
             </a:fld>
             <a:endParaRPr lang="en-US" dirty="0"/>
           </a:p>
@@ -401,7 +401,7 @@
           <a:p>
             <a:fld id="{EFD09F21-8F1F-4129-8AEA-7EF5D9ADF331}" type="datetimeFigureOut">
               <a:rPr lang="en-US" smtClean="0"/>
-              <a:t>1/21/2020</a:t>
+              <a:t>1/31/20</a:t>
             </a:fld>
             <a:endParaRPr lang="en-US" dirty="0"/>
           </a:p>
@@ -1251,7 +1251,7 @@
           <a:p>
             <a:fld id="{74929172-4BF7-429F-BA25-7E9D1A4215EE}" type="datetimeFigureOut">
               <a:rPr lang="en-US" noProof="0" smtClean="0"/>
-              <a:t>1/21/2020</a:t>
+              <a:t>1/31/20</a:t>
             </a:fld>
             <a:endParaRPr lang="en-US" noProof="0" dirty="0"/>
           </a:p>
@@ -1589,7 +1589,7 @@
           <a:p>
             <a:fld id="{74929172-4BF7-429F-BA25-7E9D1A4215EE}" type="datetimeFigureOut">
               <a:rPr lang="en-US" noProof="0" smtClean="0"/>
-              <a:t>1/21/2020</a:t>
+              <a:t>1/31/20</a:t>
             </a:fld>
             <a:endParaRPr lang="en-US" noProof="0" dirty="0"/>
           </a:p>
@@ -1866,7 +1866,7 @@
           <a:p>
             <a:fld id="{74929172-4BF7-429F-BA25-7E9D1A4215EE}" type="datetimeFigureOut">
               <a:rPr lang="en-US" noProof="0" smtClean="0"/>
-              <a:t>1/21/2020</a:t>
+              <a:t>1/31/20</a:t>
             </a:fld>
             <a:endParaRPr lang="en-US" noProof="0" dirty="0"/>
           </a:p>
@@ -2433,7 +2433,7 @@
           <a:p>
             <a:fld id="{74929172-4BF7-429F-BA25-7E9D1A4215EE}" type="datetimeFigureOut">
               <a:rPr lang="en-US" noProof="0" smtClean="0"/>
-              <a:t>1/21/2020</a:t>
+              <a:t>1/31/20</a:t>
             </a:fld>
             <a:endParaRPr lang="en-US" noProof="0" dirty="0"/>
           </a:p>
@@ -2710,7 +2710,7 @@
           <a:p>
             <a:fld id="{74929172-4BF7-429F-BA25-7E9D1A4215EE}" type="datetimeFigureOut">
               <a:rPr lang="en-US" noProof="0" smtClean="0"/>
-              <a:t>1/21/2020</a:t>
+              <a:t>1/31/20</a:t>
             </a:fld>
             <a:endParaRPr lang="en-US" noProof="0" dirty="0"/>
           </a:p>
@@ -3271,7 +3271,7 @@
           <a:p>
             <a:fld id="{74929172-4BF7-429F-BA25-7E9D1A4215EE}" type="datetimeFigureOut">
               <a:rPr lang="en-US" noProof="0" smtClean="0"/>
-              <a:t>1/21/2020</a:t>
+              <a:t>1/31/20</a:t>
             </a:fld>
             <a:endParaRPr lang="en-US" noProof="0" dirty="0"/>
           </a:p>
@@ -3597,7 +3597,7 @@
           <a:p>
             <a:fld id="{74929172-4BF7-429F-BA25-7E9D1A4215EE}" type="datetimeFigureOut">
               <a:rPr lang="en-US" noProof="0" smtClean="0"/>
-              <a:t>1/21/2020</a:t>
+              <a:t>1/31/20</a:t>
             </a:fld>
             <a:endParaRPr lang="en-US" noProof="0" dirty="0"/>
           </a:p>
@@ -3773,7 +3773,7 @@
           <a:p>
             <a:fld id="{74929172-4BF7-429F-BA25-7E9D1A4215EE}" type="datetimeFigureOut">
               <a:rPr lang="en-US" noProof="0" smtClean="0"/>
-              <a:t>1/21/2020</a:t>
+              <a:t>1/31/20</a:t>
             </a:fld>
             <a:endParaRPr lang="en-US" noProof="0" dirty="0"/>
           </a:p>
@@ -4008,7 +4008,7 @@
           <a:p>
             <a:fld id="{74929172-4BF7-429F-BA25-7E9D1A4215EE}" type="datetimeFigureOut">
               <a:rPr lang="en-US" noProof="0" smtClean="0"/>
-              <a:t>1/21/2020</a:t>
+              <a:t>1/31/20</a:t>
             </a:fld>
             <a:endParaRPr lang="en-US" noProof="0" dirty="0"/>
           </a:p>
@@ -4211,7 +4211,7 @@
           <a:p>
             <a:fld id="{74929172-4BF7-429F-BA25-7E9D1A4215EE}" type="datetimeFigureOut">
               <a:rPr lang="en-US" noProof="0" smtClean="0"/>
-              <a:t>1/21/2020</a:t>
+              <a:t>1/31/20</a:t>
             </a:fld>
             <a:endParaRPr lang="en-US" noProof="0" dirty="0"/>
           </a:p>
@@ -4486,7 +4486,7 @@
           <a:p>
             <a:fld id="{74929172-4BF7-429F-BA25-7E9D1A4215EE}" type="datetimeFigureOut">
               <a:rPr lang="en-US" noProof="0" smtClean="0"/>
-              <a:t>1/21/2020</a:t>
+              <a:t>1/31/20</a:t>
             </a:fld>
             <a:endParaRPr lang="en-US" noProof="0" dirty="0"/>
           </a:p>
@@ -4754,7 +4754,7 @@
           <a:p>
             <a:fld id="{74929172-4BF7-429F-BA25-7E9D1A4215EE}" type="datetimeFigureOut">
               <a:rPr lang="en-US" noProof="0" smtClean="0"/>
-              <a:t>1/21/2020</a:t>
+              <a:t>1/31/20</a:t>
             </a:fld>
             <a:endParaRPr lang="en-US" noProof="0" dirty="0"/>
           </a:p>
@@ -5125,7 +5125,7 @@
           <a:p>
             <a:fld id="{74929172-4BF7-429F-BA25-7E9D1A4215EE}" type="datetimeFigureOut">
               <a:rPr lang="en-US" noProof="0" smtClean="0"/>
-              <a:t>1/21/2020</a:t>
+              <a:t>1/31/20</a:t>
             </a:fld>
             <a:endParaRPr lang="en-US" noProof="0" dirty="0"/>
           </a:p>
@@ -5272,7 +5272,7 @@
           <a:p>
             <a:fld id="{74929172-4BF7-429F-BA25-7E9D1A4215EE}" type="datetimeFigureOut">
               <a:rPr lang="en-US" noProof="0" smtClean="0"/>
-              <a:t>1/21/2020</a:t>
+              <a:t>1/31/20</a:t>
             </a:fld>
             <a:endParaRPr lang="en-US" noProof="0" dirty="0"/>
           </a:p>
@@ -5397,7 +5397,7 @@
           <a:p>
             <a:fld id="{74929172-4BF7-429F-BA25-7E9D1A4215EE}" type="datetimeFigureOut">
               <a:rPr lang="en-US" noProof="0" smtClean="0"/>
-              <a:t>1/21/2020</a:t>
+              <a:t>1/31/20</a:t>
             </a:fld>
             <a:endParaRPr lang="en-US" noProof="0" dirty="0"/>
           </a:p>
@@ -5685,7 +5685,7 @@
           <a:p>
             <a:fld id="{74929172-4BF7-429F-BA25-7E9D1A4215EE}" type="datetimeFigureOut">
               <a:rPr lang="en-US" noProof="0" smtClean="0"/>
-              <a:t>1/21/2020</a:t>
+              <a:t>1/31/20</a:t>
             </a:fld>
             <a:endParaRPr lang="en-US" noProof="0" dirty="0"/>
           </a:p>
@@ -6013,7 +6013,7 @@
           <a:p>
             <a:fld id="{74929172-4BF7-429F-BA25-7E9D1A4215EE}" type="datetimeFigureOut">
               <a:rPr lang="en-US" noProof="0" smtClean="0"/>
-              <a:t>1/21/2020</a:t>
+              <a:t>1/31/20</a:t>
             </a:fld>
             <a:endParaRPr lang="en-US" noProof="0" dirty="0"/>
           </a:p>
@@ -6225,7 +6225,7 @@
           <a:p>
             <a:fld id="{74929172-4BF7-429F-BA25-7E9D1A4215EE}" type="datetimeFigureOut">
               <a:rPr lang="en-US" noProof="0" smtClean="0"/>
-              <a:t>1/21/2020</a:t>
+              <a:t>1/31/20</a:t>
             </a:fld>
             <a:endParaRPr lang="en-US" noProof="0" dirty="0"/>
           </a:p>
@@ -8909,8 +8909,21 @@
                     <a:prstClr val="black"/>
                   </a:solidFill>
                 </a:rPr>
-                <a:t>Charlie Nitschelm</a:t>
+                <a:t>Zach </a:t>
               </a:r>
+              <a:r>
+                <a:rPr lang="en-US" sz="990" dirty="0" err="1">
+                  <a:solidFill>
+                    <a:prstClr val="black"/>
+                  </a:solidFill>
+                </a:rPr>
+                <a:t>Raboin</a:t>
+              </a:r>
+              <a:endParaRPr lang="en-US" sz="990" dirty="0">
+                <a:solidFill>
+                  <a:prstClr val="black"/>
+                </a:solidFill>
+              </a:endParaRPr>
             </a:p>
           </p:txBody>
         </p:sp>
@@ -11793,7 +11806,7 @@
                   <a:srgbClr val="18276C"/>
                 </a:solidFill>
               </a:rPr>
-              <a:t>8 ME, 4 EE, 2 CS, 1 PE</a:t>
+              <a:t>7 ME, 4 EE, 2 CS, 1 PE</a:t>
             </a:r>
             <a:endParaRPr lang="en-US" sz="2310" dirty="0">
               <a:solidFill>
@@ -11919,8 +11932,21 @@
                     <a:prstClr val="black"/>
                   </a:solidFill>
                 </a:rPr>
-                <a:t>Charlie Nitschelm</a:t>
+                <a:t>Zach </a:t>
               </a:r>
+              <a:r>
+                <a:rPr lang="en-US" sz="990" dirty="0" err="1">
+                  <a:solidFill>
+                    <a:prstClr val="black"/>
+                  </a:solidFill>
+                </a:rPr>
+                <a:t>Raboin</a:t>
+              </a:r>
+              <a:endParaRPr lang="en-US" sz="990" dirty="0">
+                <a:solidFill>
+                  <a:prstClr val="black"/>
+                </a:solidFill>
+              </a:endParaRPr>
             </a:p>
           </p:txBody>
         </p:sp>
@@ -13806,7 +13832,7 @@
                     <a:prstClr val="black"/>
                   </a:solidFill>
                 </a:rPr>
-                <a:t>Zach </a:t>
+                <a:t>Charlie </a:t>
               </a:r>
               <a:r>
                 <a:rPr lang="en-US" sz="990" dirty="0" err="1">
@@ -13814,7 +13840,7 @@
                     <a:prstClr val="black"/>
                   </a:solidFill>
                 </a:rPr>
-                <a:t>Raboin</a:t>
+                <a:t>Nitschelm</a:t>
               </a:r>
               <a:endParaRPr lang="en-US" sz="990" dirty="0">
                 <a:solidFill>
@@ -14580,294 +14606,6 @@
       </p:grpSp>
       <p:grpSp>
         <p:nvGrpSpPr>
-          <p:cNvPr id="169" name="Group 168">
-            <a:extLst>
-              <a:ext uri="{FF2B5EF4-FFF2-40B4-BE49-F238E27FC236}">
-                <a16:creationId xmlns:a16="http://schemas.microsoft.com/office/drawing/2014/main" id="{A7F885EA-DA86-4249-9CB4-CE59CE108D4C}"/>
-              </a:ext>
-              <a:ext uri="{C183D7F6-B498-43B3-948B-1728B52AA6E4}">
-                <adec:decorative xmlns:adec="http://schemas.microsoft.com/office/drawing/2017/decorative" val="1"/>
-              </a:ext>
-            </a:extLst>
-          </p:cNvPr>
-          <p:cNvGrpSpPr/>
-          <p:nvPr/>
-        </p:nvGrpSpPr>
-        <p:grpSpPr>
-          <a:xfrm>
-            <a:off x="7053171" y="3021252"/>
-            <a:ext cx="1144735" cy="449136"/>
-            <a:chOff x="9744174" y="3090121"/>
-            <a:chExt cx="1387558" cy="544407"/>
-          </a:xfrm>
-        </p:grpSpPr>
-        <p:sp>
-          <p:nvSpPr>
-            <p:cNvPr id="170" name="Rectangle 169">
-              <a:extLst>
-                <a:ext uri="{FF2B5EF4-FFF2-40B4-BE49-F238E27FC236}">
-                  <a16:creationId xmlns:a16="http://schemas.microsoft.com/office/drawing/2014/main" id="{B9AD7988-1B88-4378-96FA-45074DAE4E99}"/>
-                </a:ext>
-              </a:extLst>
-            </p:cNvPr>
-            <p:cNvSpPr/>
-            <p:nvPr/>
-          </p:nvSpPr>
-          <p:spPr>
-            <a:xfrm>
-              <a:off x="9744174" y="3090121"/>
-              <a:ext cx="1368000" cy="509451"/>
-            </a:xfrm>
-            <a:prstGeom prst="rect">
-              <a:avLst/>
-            </a:prstGeom>
-            <a:gradFill>
-              <a:gsLst>
-                <a:gs pos="0">
-                  <a:schemeClr val="bg1"/>
-                </a:gs>
-                <a:gs pos="100000">
-                  <a:schemeClr val="bg1">
-                    <a:lumMod val="85000"/>
-                  </a:schemeClr>
-                </a:gs>
-              </a:gsLst>
-              <a:lin ang="5400000" scaled="0"/>
-            </a:gradFill>
-            <a:ln w="3175">
-              <a:solidFill>
-                <a:schemeClr val="bg1">
-                  <a:lumMod val="85000"/>
-                </a:schemeClr>
-              </a:solidFill>
-            </a:ln>
-            <a:effectLst/>
-            <a:scene3d>
-              <a:camera prst="obliqueTopLeft"/>
-              <a:lightRig rig="soft" dir="t"/>
-            </a:scene3d>
-            <a:sp3d extrusionH="190500" prstMaterial="matte">
-              <a:contourClr>
-                <a:schemeClr val="tx1">
-                  <a:lumMod val="50000"/>
-                  <a:lumOff val="50000"/>
-                </a:schemeClr>
-              </a:contourClr>
-            </a:sp3d>
-          </p:spPr>
-          <p:style>
-            <a:lnRef idx="2">
-              <a:scrgbClr r="0" g="0" b="0"/>
-            </a:lnRef>
-            <a:fillRef idx="1">
-              <a:scrgbClr r="0" g="0" b="0"/>
-            </a:fillRef>
-            <a:effectRef idx="0">
-              <a:schemeClr val="accent1">
-                <a:hueOff val="0"/>
-                <a:satOff val="0"/>
-                <a:lumOff val="0"/>
-                <a:alphaOff val="0"/>
-              </a:schemeClr>
-            </a:effectRef>
-            <a:fontRef idx="minor">
-              <a:schemeClr val="lt1"/>
-            </a:fontRef>
-          </p:style>
-          <p:txBody>
-            <a:bodyPr spcFirstLastPara="0" vert="horz" wrap="square" lIns="59400" tIns="4715" rIns="59400" bIns="44559" numCol="1" spcCol="1270" anchor="ctr" anchorCtr="0">
-              <a:noAutofit/>
-              <a:flatTx/>
-            </a:bodyPr>
-            <a:lstStyle/>
-            <a:p>
-              <a:pPr algn="ctr" defTabSz="330044">
-                <a:lnSpc>
-                  <a:spcPct val="90000"/>
-                </a:lnSpc>
-                <a:spcBef>
-                  <a:spcPct val="0"/>
-                </a:spcBef>
-                <a:spcAft>
-                  <a:spcPct val="35000"/>
-                </a:spcAft>
-              </a:pPr>
-              <a:r>
-                <a:rPr lang="en-US" sz="990" dirty="0">
-                  <a:solidFill>
-                    <a:schemeClr val="tx1"/>
-                  </a:solidFill>
-                </a:rPr>
-                <a:t>Carly </a:t>
-              </a:r>
-              <a:r>
-                <a:rPr lang="en-US" sz="990" dirty="0" err="1">
-                  <a:solidFill>
-                    <a:schemeClr val="tx1"/>
-                  </a:solidFill>
-                </a:rPr>
-                <a:t>Benik</a:t>
-              </a:r>
-              <a:endParaRPr lang="en-US" sz="990" dirty="0">
-                <a:solidFill>
-                  <a:schemeClr val="tx1"/>
-                </a:solidFill>
-              </a:endParaRPr>
-            </a:p>
-          </p:txBody>
-        </p:sp>
-        <p:sp>
-          <p:nvSpPr>
-            <p:cNvPr id="171" name="Rectangle 170">
-              <a:extLst>
-                <a:ext uri="{FF2B5EF4-FFF2-40B4-BE49-F238E27FC236}">
-                  <a16:creationId xmlns:a16="http://schemas.microsoft.com/office/drawing/2014/main" id="{F0927D7D-ECE5-4691-9490-F5F85942B8E9}"/>
-                </a:ext>
-              </a:extLst>
-            </p:cNvPr>
-            <p:cNvSpPr/>
-            <p:nvPr/>
-          </p:nvSpPr>
-          <p:spPr>
-            <a:xfrm>
-              <a:off x="9763732" y="3526528"/>
-              <a:ext cx="1368000" cy="108000"/>
-            </a:xfrm>
-            <a:prstGeom prst="rect">
-              <a:avLst/>
-            </a:prstGeom>
-            <a:solidFill>
-              <a:srgbClr val="7030A0"/>
-            </a:solidFill>
-            <a:ln>
-              <a:noFill/>
-            </a:ln>
-            <a:effectLst>
-              <a:glow rad="254000">
-                <a:schemeClr val="accent3">
-                  <a:satMod val="175000"/>
-                  <a:alpha val="10000"/>
-                </a:schemeClr>
-              </a:glow>
-            </a:effectLst>
-            <a:scene3d>
-              <a:camera prst="obliqueTopLeft"/>
-              <a:lightRig rig="brightRoom" dir="t"/>
-            </a:scene3d>
-            <a:sp3d extrusionH="88900"/>
-          </p:spPr>
-          <p:style>
-            <a:lnRef idx="2">
-              <a:schemeClr val="accent1">
-                <a:hueOff val="0"/>
-                <a:satOff val="0"/>
-                <a:lumOff val="0"/>
-                <a:alphaOff val="0"/>
-              </a:schemeClr>
-            </a:lnRef>
-            <a:fillRef idx="1">
-              <a:scrgbClr r="0" g="0" b="0"/>
-            </a:fillRef>
-            <a:effectRef idx="0">
-              <a:schemeClr val="lt1">
-                <a:alpha val="90000"/>
-                <a:hueOff val="0"/>
-                <a:satOff val="0"/>
-                <a:lumOff val="0"/>
-                <a:alphaOff val="0"/>
-              </a:schemeClr>
-            </a:effectRef>
-            <a:fontRef idx="minor">
-              <a:schemeClr val="dk1">
-                <a:hueOff val="0"/>
-                <a:satOff val="0"/>
-                <a:lumOff val="0"/>
-                <a:alphaOff val="0"/>
-              </a:schemeClr>
-            </a:fontRef>
-          </p:style>
-          <p:txBody>
-            <a:bodyPr spcFirstLastPara="0" vert="horz" wrap="square" lIns="59400" tIns="4715" rIns="59400" bIns="4715" numCol="1" spcCol="1270" anchor="ctr" anchorCtr="0">
-              <a:noAutofit/>
-              <a:flatTx/>
-            </a:bodyPr>
-            <a:lstStyle/>
-            <a:p>
-              <a:pPr algn="ctr" defTabSz="330044">
-                <a:lnSpc>
-                  <a:spcPct val="90000"/>
-                </a:lnSpc>
-                <a:spcBef>
-                  <a:spcPct val="0"/>
-                </a:spcBef>
-                <a:spcAft>
-                  <a:spcPct val="35000"/>
-                </a:spcAft>
-              </a:pPr>
-              <a:r>
-                <a:rPr lang="en-US" sz="825" dirty="0">
-                  <a:solidFill>
-                    <a:schemeClr val="bg1"/>
-                  </a:solidFill>
-                </a:rPr>
-                <a:t>ME</a:t>
-              </a:r>
-            </a:p>
-          </p:txBody>
-        </p:sp>
-      </p:grpSp>
-      <p:sp>
-        <p:nvSpPr>
-          <p:cNvPr id="172" name="Oval 171" descr="decorative element">
-            <a:extLst>
-              <a:ext uri="{FF2B5EF4-FFF2-40B4-BE49-F238E27FC236}">
-                <a16:creationId xmlns:a16="http://schemas.microsoft.com/office/drawing/2014/main" id="{E720C88C-DA9D-4B27-9A45-6E9ECB2C8761}"/>
-              </a:ext>
-            </a:extLst>
-          </p:cNvPr>
-          <p:cNvSpPr/>
-          <p:nvPr/>
-        </p:nvSpPr>
-        <p:spPr>
-          <a:xfrm>
-            <a:off x="7570370" y="2929569"/>
-            <a:ext cx="94392" cy="70918"/>
-          </a:xfrm>
-          <a:prstGeom prst="ellipse">
-            <a:avLst/>
-          </a:prstGeom>
-          <a:noFill/>
-          <a:ln>
-            <a:noFill/>
-          </a:ln>
-        </p:spPr>
-        <p:style>
-          <a:lnRef idx="2">
-            <a:schemeClr val="accent1">
-              <a:shade val="50000"/>
-            </a:schemeClr>
-          </a:lnRef>
-          <a:fillRef idx="1">
-            <a:schemeClr val="accent1"/>
-          </a:fillRef>
-          <a:effectRef idx="0">
-            <a:schemeClr val="accent1"/>
-          </a:effectRef>
-          <a:fontRef idx="minor">
-            <a:schemeClr val="lt1"/>
-          </a:fontRef>
-        </p:style>
-        <p:txBody>
-          <a:bodyPr rtlCol="0" anchor="ctr"/>
-          <a:lstStyle/>
-          <a:p>
-            <a:pPr algn="ctr"/>
-            <a:endParaRPr lang="en-US" sz="1485" dirty="0"/>
-          </a:p>
-        </p:txBody>
-      </p:sp>
-      <p:grpSp>
-        <p:nvGrpSpPr>
           <p:cNvPr id="173" name="Group 172">
             <a:extLst>
               <a:ext uri="{FF2B5EF4-FFF2-40B4-BE49-F238E27FC236}">
@@ -14982,7 +14720,7 @@
                     <a:prstClr val="black"/>
                   </a:solidFill>
                 </a:rPr>
-                <a:t>Ross Thyne</a:t>
+                <a:t>Silas Johnson</a:t>
               </a:r>
             </a:p>
           </p:txBody>
@@ -17193,6 +16931,266 @@
           </p:txBody>
         </p:sp>
       </p:grpSp>
+      <p:grpSp>
+        <p:nvGrpSpPr>
+          <p:cNvPr id="85" name="Group 84">
+            <a:extLst>
+              <a:ext uri="{FF2B5EF4-FFF2-40B4-BE49-F238E27FC236}">
+                <a16:creationId xmlns:a16="http://schemas.microsoft.com/office/drawing/2014/main" id="{A65A030D-F3F4-B144-97D9-7945BF92E5DE}"/>
+              </a:ext>
+              <a:ext uri="{C183D7F6-B498-43B3-948B-1728B52AA6E4}">
+                <adec:decorative xmlns:adec="http://schemas.microsoft.com/office/drawing/2017/decorative" val="1"/>
+              </a:ext>
+            </a:extLst>
+          </p:cNvPr>
+          <p:cNvGrpSpPr/>
+          <p:nvPr/>
+        </p:nvGrpSpPr>
+        <p:grpSpPr>
+          <a:xfrm>
+            <a:off x="5610547" y="5444436"/>
+            <a:ext cx="1146432" cy="449136"/>
+            <a:chOff x="6277476" y="3090121"/>
+            <a:chExt cx="1389615" cy="544407"/>
+          </a:xfrm>
+        </p:grpSpPr>
+        <p:sp>
+          <p:nvSpPr>
+            <p:cNvPr id="91" name="Rectangle 90">
+              <a:extLst>
+                <a:ext uri="{FF2B5EF4-FFF2-40B4-BE49-F238E27FC236}">
+                  <a16:creationId xmlns:a16="http://schemas.microsoft.com/office/drawing/2014/main" id="{BD7E5B07-2452-6945-8A0B-02002EA7D495}"/>
+                </a:ext>
+              </a:extLst>
+            </p:cNvPr>
+            <p:cNvSpPr/>
+            <p:nvPr/>
+          </p:nvSpPr>
+          <p:spPr>
+            <a:xfrm>
+              <a:off x="6277476" y="3090121"/>
+              <a:ext cx="1368000" cy="509451"/>
+            </a:xfrm>
+            <a:prstGeom prst="rect">
+              <a:avLst/>
+            </a:prstGeom>
+            <a:solidFill>
+              <a:schemeClr val="bg1"/>
+            </a:solidFill>
+            <a:ln w="3175" cap="rnd" cmpd="sng" algn="ctr">
+              <a:solidFill>
+                <a:schemeClr val="bg1">
+                  <a:lumMod val="85000"/>
+                </a:schemeClr>
+              </a:solidFill>
+              <a:prstDash val="solid"/>
+            </a:ln>
+            <a:effectLst/>
+            <a:scene3d>
+              <a:camera prst="obliqueTopLeft"/>
+              <a:lightRig rig="soft" dir="t"/>
+            </a:scene3d>
+            <a:sp3d extrusionH="190500" prstMaterial="matte">
+              <a:contourClr>
+                <a:prstClr val="black">
+                  <a:lumMod val="50000"/>
+                  <a:lumOff val="50000"/>
+                </a:prstClr>
+              </a:contourClr>
+            </a:sp3d>
+          </p:spPr>
+          <p:style>
+            <a:lnRef idx="2">
+              <a:scrgbClr r="0" g="0" b="0"/>
+            </a:lnRef>
+            <a:fillRef idx="1">
+              <a:scrgbClr r="0" g="0" b="0"/>
+            </a:fillRef>
+            <a:effectRef idx="0">
+              <a:scrgbClr r="0" g="0" b="0"/>
+            </a:effectRef>
+            <a:fontRef idx="minor">
+              <a:schemeClr val="lt1"/>
+            </a:fontRef>
+          </p:style>
+          <p:txBody>
+            <a:bodyPr spcFirstLastPara="0" vert="horz" wrap="square" lIns="59400" tIns="4715" rIns="59400" bIns="44559" numCol="1" spcCol="1270" anchor="ctr" anchorCtr="0">
+              <a:noAutofit/>
+              <a:flatTx/>
+            </a:bodyPr>
+            <a:lstStyle/>
+            <a:p>
+              <a:pPr algn="ctr" defTabSz="330044">
+                <a:lnSpc>
+                  <a:spcPct val="90000"/>
+                </a:lnSpc>
+                <a:spcBef>
+                  <a:spcPct val="0"/>
+                </a:spcBef>
+                <a:spcAft>
+                  <a:spcPct val="35000"/>
+                </a:spcAft>
+              </a:pPr>
+              <a:endParaRPr lang="en-US" sz="990" dirty="0">
+                <a:solidFill>
+                  <a:schemeClr val="tx1"/>
+                </a:solidFill>
+              </a:endParaRPr>
+            </a:p>
+            <a:p>
+              <a:pPr algn="ctr" defTabSz="330044">
+                <a:lnSpc>
+                  <a:spcPct val="90000"/>
+                </a:lnSpc>
+                <a:spcBef>
+                  <a:spcPct val="0"/>
+                </a:spcBef>
+                <a:spcAft>
+                  <a:spcPct val="35000"/>
+                </a:spcAft>
+              </a:pPr>
+              <a:r>
+                <a:rPr lang="en-US" sz="990" dirty="0">
+                  <a:solidFill>
+                    <a:schemeClr val="tx1"/>
+                  </a:solidFill>
+                </a:rPr>
+                <a:t>Carly </a:t>
+              </a:r>
+              <a:r>
+                <a:rPr lang="en-US" sz="990" dirty="0" err="1">
+                  <a:solidFill>
+                    <a:schemeClr val="tx1"/>
+                  </a:solidFill>
+                </a:rPr>
+                <a:t>Benik</a:t>
+              </a:r>
+              <a:endParaRPr lang="en-US" sz="990" dirty="0">
+                <a:solidFill>
+                  <a:schemeClr val="tx1"/>
+                </a:solidFill>
+              </a:endParaRPr>
+            </a:p>
+            <a:p>
+              <a:pPr algn="ctr" defTabSz="330044">
+                <a:lnSpc>
+                  <a:spcPct val="90000"/>
+                </a:lnSpc>
+                <a:spcBef>
+                  <a:spcPct val="0"/>
+                </a:spcBef>
+                <a:spcAft>
+                  <a:spcPct val="35000"/>
+                </a:spcAft>
+              </a:pPr>
+              <a:endParaRPr lang="en-US" sz="990" dirty="0">
+                <a:solidFill>
+                  <a:schemeClr val="tx1"/>
+                </a:solidFill>
+              </a:endParaRPr>
+            </a:p>
+          </p:txBody>
+        </p:sp>
+        <p:sp>
+          <p:nvSpPr>
+            <p:cNvPr id="93" name="Rectangle 92">
+              <a:extLst>
+                <a:ext uri="{FF2B5EF4-FFF2-40B4-BE49-F238E27FC236}">
+                  <a16:creationId xmlns:a16="http://schemas.microsoft.com/office/drawing/2014/main" id="{9C74953E-F54F-B149-B666-3821EF2F77B2}"/>
+                </a:ext>
+              </a:extLst>
+            </p:cNvPr>
+            <p:cNvSpPr/>
+            <p:nvPr/>
+          </p:nvSpPr>
+          <p:spPr>
+            <a:xfrm>
+              <a:off x="6299091" y="3526528"/>
+              <a:ext cx="1368000" cy="108000"/>
+            </a:xfrm>
+            <a:prstGeom prst="rect">
+              <a:avLst/>
+            </a:prstGeom>
+            <a:solidFill>
+              <a:srgbClr val="0070C0"/>
+            </a:solidFill>
+            <a:ln>
+              <a:noFill/>
+            </a:ln>
+            <a:effectLst>
+              <a:glow rad="254000">
+                <a:schemeClr val="accent6">
+                  <a:satMod val="175000"/>
+                  <a:alpha val="10000"/>
+                </a:schemeClr>
+              </a:glow>
+            </a:effectLst>
+            <a:scene3d>
+              <a:camera prst="obliqueTopLeft"/>
+              <a:lightRig rig="brightRoom" dir="t"/>
+            </a:scene3d>
+            <a:sp3d extrusionH="88900"/>
+          </p:spPr>
+          <p:style>
+            <a:lnRef idx="2">
+              <a:schemeClr val="accent1">
+                <a:hueOff val="0"/>
+                <a:satOff val="0"/>
+                <a:lumOff val="0"/>
+                <a:alphaOff val="0"/>
+              </a:schemeClr>
+            </a:lnRef>
+            <a:fillRef idx="1">
+              <a:scrgbClr r="0" g="0" b="0"/>
+            </a:fillRef>
+            <a:effectRef idx="0">
+              <a:schemeClr val="lt1">
+                <a:alpha val="90000"/>
+                <a:hueOff val="0"/>
+                <a:satOff val="0"/>
+                <a:lumOff val="0"/>
+                <a:alphaOff val="0"/>
+              </a:schemeClr>
+            </a:effectRef>
+            <a:fontRef idx="minor">
+              <a:schemeClr val="dk1">
+                <a:hueOff val="0"/>
+                <a:satOff val="0"/>
+                <a:lumOff val="0"/>
+                <a:alphaOff val="0"/>
+              </a:schemeClr>
+            </a:fontRef>
+          </p:style>
+          <p:txBody>
+            <a:bodyPr spcFirstLastPara="0" vert="horz" wrap="square" lIns="59400" tIns="4715" rIns="59400" bIns="4715" numCol="1" spcCol="1270" anchor="ctr" anchorCtr="0">
+              <a:noAutofit/>
+              <a:flatTx/>
+            </a:bodyPr>
+            <a:lstStyle/>
+            <a:p>
+              <a:pPr algn="ctr" defTabSz="330044">
+                <a:lnSpc>
+                  <a:spcPct val="90000"/>
+                </a:lnSpc>
+                <a:spcBef>
+                  <a:spcPct val="0"/>
+                </a:spcBef>
+                <a:spcAft>
+                  <a:spcPct val="35000"/>
+                </a:spcAft>
+              </a:pPr>
+              <a:r>
+                <a:rPr lang="en-US" sz="825" dirty="0">
+                  <a:solidFill>
+                    <a:schemeClr val="bg1"/>
+                  </a:solidFill>
+                </a:rPr>
+                <a:t>ME</a:t>
+              </a:r>
+            </a:p>
+          </p:txBody>
+        </p:sp>
+      </p:grpSp>
     </p:spTree>
     <p:extLst>
       <p:ext uri="{BB962C8B-B14F-4D97-AF65-F5344CB8AC3E}">
@@ -29164,6 +29162,15 @@
 </file>
 
 <file path=customXml/item1.xml><?xml version="1.0" encoding="utf-8"?>
+<?mso-contentType ?>
+<FormTemplates xmlns="http://schemas.microsoft.com/sharepoint/v3/contenttype/forms">
+  <Display>DocumentLibraryForm</Display>
+  <Edit>DocumentLibraryForm</Edit>
+  <New>DocumentLibraryForm</New>
+</FormTemplates>
+</file>
+
+<file path=customXml/item2.xml><?xml version="1.0" encoding="utf-8"?>
 <ct:contentTypeSchema xmlns:ct="http://schemas.microsoft.com/office/2006/metadata/contentType" xmlns:ma="http://schemas.microsoft.com/office/2006/metadata/properties/metaAttributes" ct:_="" ma:_="" ma:contentTypeName="Document" ma:contentTypeID="0x01010079F111ED35F8CC479449609E8A0923A6" ma:contentTypeVersion="11" ma:contentTypeDescription="Create a new document." ma:contentTypeScope="" ma:versionID="9677210f24a1be23c92c90fd886aa0aa">
   <xsd:schema xmlns:xsd="http://www.w3.org/2001/XMLSchema" xmlns:xs="http://www.w3.org/2001/XMLSchema" xmlns:p="http://schemas.microsoft.com/office/2006/metadata/properties" xmlns:ns2="71af3243-3dd4-4a8d-8c0d-dd76da1f02a5" xmlns:ns3="16c05727-aa75-4e4a-9b5f-8a80a1165891" targetNamespace="http://schemas.microsoft.com/office/2006/metadata/properties" ma:root="true" ma:fieldsID="60e05723c5c1908df1a1a4ebf11d344e" ns2:_="" ns3:_="">
     <xsd:import namespace="71af3243-3dd4-4a8d-8c0d-dd76da1f02a5"/>
@@ -29374,15 +29381,6 @@
 </ct:contentTypeSchema>
 </file>
 
-<file path=customXml/item2.xml><?xml version="1.0" encoding="utf-8"?>
-<?mso-contentType ?>
-<FormTemplates xmlns="http://schemas.microsoft.com/sharepoint/v3/contenttype/forms">
-  <Display>DocumentLibraryForm</Display>
-  <Edit>DocumentLibraryForm</Edit>
-  <New>DocumentLibraryForm</New>
-</FormTemplates>
-</file>
-
 <file path=customXml/item3.xml><?xml version="1.0" encoding="utf-8"?>
 <p:properties xmlns:p="http://schemas.microsoft.com/office/2006/metadata/properties" xmlns:xsi="http://www.w3.org/2001/XMLSchema-instance" xmlns:pc="http://schemas.microsoft.com/office/infopath/2007/PartnerControls">
   <documentManagement>
@@ -29392,6 +29390,14 @@
 </file>
 
 <file path=customXml/itemProps1.xml><?xml version="1.0" encoding="utf-8"?>
+<ds:datastoreItem xmlns:ds="http://schemas.openxmlformats.org/officeDocument/2006/customXml" ds:itemID="{9082A0F6-5C05-4A60-9DD8-B772877A4F89}">
+  <ds:schemaRefs>
+    <ds:schemaRef ds:uri="http://schemas.microsoft.com/sharepoint/v3/contenttype/forms"/>
+  </ds:schemaRefs>
+</ds:datastoreItem>
+</file>
+
+<file path=customXml/itemProps2.xml><?xml version="1.0" encoding="utf-8"?>
 <ds:datastoreItem xmlns:ds="http://schemas.openxmlformats.org/officeDocument/2006/customXml" ds:itemID="{840DE65C-3715-41A1-996C-103EA7902D46}">
   <ds:schemaRefs>
     <ds:schemaRef ds:uri="http://schemas.microsoft.com/office/2006/metadata/contentType"/>
@@ -29406,14 +29412,6 @@
     <ds:schemaRef ds:uri="http://purl.org/dc/elements/1.1/"/>
     <ds:schemaRef ds:uri="http://purl.org/dc/terms/"/>
     <ds:schemaRef ds:uri="http://schemas.microsoft.com/internal/obd"/>
-  </ds:schemaRefs>
-</ds:datastoreItem>
-</file>
-
-<file path=customXml/itemProps2.xml><?xml version="1.0" encoding="utf-8"?>
-<ds:datastoreItem xmlns:ds="http://schemas.openxmlformats.org/officeDocument/2006/customXml" ds:itemID="{9082A0F6-5C05-4A60-9DD8-B772877A4F89}">
-  <ds:schemaRefs>
-    <ds:schemaRef ds:uri="http://schemas.microsoft.com/sharepoint/v3/contenttype/forms"/>
   </ds:schemaRefs>
 </ds:datastoreItem>
 </file>
